--- a/Präsentation_10_12_2019.pptx
+++ b/Präsentation_10_12_2019.pptx
@@ -5,10 +5,10 @@
     <p:sldMasterId id="2147483648" r:id="rId1"/>
   </p:sldMasterIdLst>
   <p:notesMasterIdLst>
-    <p:notesMasterId r:id="rId9"/>
+    <p:notesMasterId r:id="rId10"/>
   </p:notesMasterIdLst>
   <p:handoutMasterIdLst>
-    <p:handoutMasterId r:id="rId10"/>
+    <p:handoutMasterId r:id="rId11"/>
   </p:handoutMasterIdLst>
   <p:sldIdLst>
     <p:sldId id="342" r:id="rId2"/>
@@ -16,8 +16,9 @@
     <p:sldId id="407" r:id="rId4"/>
     <p:sldId id="408" r:id="rId5"/>
     <p:sldId id="409" r:id="rId6"/>
-    <p:sldId id="410" r:id="rId7"/>
-    <p:sldId id="357" r:id="rId8"/>
+    <p:sldId id="411" r:id="rId7"/>
+    <p:sldId id="410" r:id="rId8"/>
+    <p:sldId id="357" r:id="rId9"/>
   </p:sldIdLst>
   <p:sldSz cx="9144000" cy="6858000" type="screen4x3"/>
   <p:notesSz cx="6858000" cy="9144000"/>
@@ -1160,6 +1161,93 @@
             <a:fld id="{1D215C53-1FA3-4765-8570-BE15BA179994}" type="slidenum">
               <a:rPr lang="de-DE" smtClean="0"/>
               <a:t>6</a:t>
+            </a:fld>
+            <a:endParaRPr lang="de-DE"/>
+          </a:p>
+        </p:txBody>
+      </p:sp>
+    </p:spTree>
+    <p:extLst>
+      <p:ext uri="{BB962C8B-B14F-4D97-AF65-F5344CB8AC3E}">
+        <p14:creationId xmlns:p14="http://schemas.microsoft.com/office/powerpoint/2010/main" val="692269855"/>
+      </p:ext>
+    </p:extLst>
+  </p:cSld>
+  <p:clrMapOvr>
+    <a:masterClrMapping/>
+  </p:clrMapOvr>
+</p:notes>
+</file>
+
+<file path=ppt/notesSlides/notesSlide6.xml><?xml version="1.0" encoding="utf-8"?>
+<p:notes xmlns:a="http://schemas.openxmlformats.org/drawingml/2006/main" xmlns:r="http://schemas.openxmlformats.org/officeDocument/2006/relationships" xmlns:p="http://schemas.openxmlformats.org/presentationml/2006/main">
+  <p:cSld>
+    <p:spTree>
+      <p:nvGrpSpPr>
+        <p:cNvPr id="1" name=""/>
+        <p:cNvGrpSpPr/>
+        <p:nvPr/>
+      </p:nvGrpSpPr>
+      <p:grpSpPr>
+        <a:xfrm>
+          <a:off x="0" y="0"/>
+          <a:ext cx="0" cy="0"/>
+          <a:chOff x="0" y="0"/>
+          <a:chExt cx="0" cy="0"/>
+        </a:xfrm>
+      </p:grpSpPr>
+      <p:sp>
+        <p:nvSpPr>
+          <p:cNvPr id="2" name="Folienbildplatzhalter 1"/>
+          <p:cNvSpPr>
+            <a:spLocks noGrp="1" noRot="1" noChangeAspect="1"/>
+          </p:cNvSpPr>
+          <p:nvPr>
+            <p:ph type="sldImg"/>
+          </p:nvPr>
+        </p:nvSpPr>
+        <p:spPr/>
+      </p:sp>
+      <p:sp>
+        <p:nvSpPr>
+          <p:cNvPr id="3" name="Notizenplatzhalter 2"/>
+          <p:cNvSpPr>
+            <a:spLocks noGrp="1"/>
+          </p:cNvSpPr>
+          <p:nvPr>
+            <p:ph type="body" idx="1"/>
+          </p:nvPr>
+        </p:nvSpPr>
+        <p:spPr/>
+        <p:txBody>
+          <a:bodyPr/>
+          <a:lstStyle/>
+          <a:p>
+            <a:pPr marL="0" indent="0">
+              <a:buNone/>
+            </a:pPr>
+            <a:endParaRPr lang="de-DE" dirty="0"/>
+          </a:p>
+        </p:txBody>
+      </p:sp>
+      <p:sp>
+        <p:nvSpPr>
+          <p:cNvPr id="4" name="Foliennummernplatzhalter 3"/>
+          <p:cNvSpPr>
+            <a:spLocks noGrp="1"/>
+          </p:cNvSpPr>
+          <p:nvPr>
+            <p:ph type="sldNum" sz="quarter" idx="5"/>
+          </p:nvPr>
+        </p:nvSpPr>
+        <p:spPr/>
+        <p:txBody>
+          <a:bodyPr/>
+          <a:lstStyle/>
+          <a:p>
+            <a:fld id="{1D215C53-1FA3-4765-8570-BE15BA179994}" type="slidenum">
+              <a:rPr lang="de-DE" smtClean="0"/>
+              <a:t>7</a:t>
             </a:fld>
             <a:endParaRPr lang="de-DE"/>
           </a:p>
@@ -11267,7 +11355,7 @@
         <p:spPr>
           <a:xfrm>
             <a:off x="611560" y="1826079"/>
-            <a:ext cx="8208912" cy="2352632"/>
+            <a:ext cx="8208912" cy="2674258"/>
           </a:xfrm>
           <a:prstGeom prst="rect">
             <a:avLst/>
@@ -11366,7 +11454,7 @@
               <a:rPr lang="de-DE" sz="1900" dirty="0">
                 <a:sym typeface="Wingdings" panose="05000000000000000000" pitchFamily="2" charset="2"/>
               </a:rPr>
-              <a:t>Anbindung von Sensoren über 2 UART und 1 SPI</a:t>
+              <a:t>Anbindung von Sensoren über 2 UART</a:t>
             </a:r>
           </a:p>
           <a:p>
@@ -11380,6 +11468,27 @@
             <a:endParaRPr lang="de-DE" sz="1900" dirty="0">
               <a:sym typeface="Wingdings" panose="05000000000000000000" pitchFamily="2" charset="2"/>
             </a:endParaRPr>
+          </a:p>
+          <a:p>
+            <a:pPr marL="342900" indent="-342900">
+              <a:lnSpc>
+                <a:spcPct val="110000"/>
+              </a:lnSpc>
+              <a:buFontTx/>
+              <a:buChar char="-"/>
+            </a:pPr>
+            <a:r>
+              <a:rPr lang="de-DE" sz="1900" dirty="0" err="1">
+                <a:sym typeface="Wingdings" panose="05000000000000000000" pitchFamily="2" charset="2"/>
+              </a:rPr>
+              <a:t>LoRaWAN</a:t>
+            </a:r>
+            <a:r>
+              <a:rPr lang="de-DE" sz="1900" dirty="0">
+                <a:sym typeface="Wingdings" panose="05000000000000000000" pitchFamily="2" charset="2"/>
+              </a:rPr>
+              <a:t>-Modul über SPI angebunden</a:t>
+            </a:r>
           </a:p>
         </p:txBody>
       </p:sp>
@@ -11506,7 +11615,7 @@
         <p:spPr>
           <a:xfrm>
             <a:off x="611560" y="1826079"/>
-            <a:ext cx="8208912" cy="1997150"/>
+            <a:ext cx="8208912" cy="3605282"/>
           </a:xfrm>
           <a:prstGeom prst="rect">
             <a:avLst/>
@@ -11519,26 +11628,80 @@
           </a:bodyPr>
           <a:lstStyle/>
           <a:p>
-            <a:pPr marL="342900" indent="-342900">
+            <a:pPr marL="800100" lvl="1" indent="-342900">
               <a:lnSpc>
                 <a:spcPct val="110000"/>
               </a:lnSpc>
-              <a:buFontTx/>
+              <a:buFont typeface="Symbol" panose="05050102010706020507" pitchFamily="18" charset="2"/>
               <a:buChar char="-"/>
             </a:pPr>
             <a:r>
               <a:rPr lang="de-DE" sz="1900" dirty="0">
                 <a:sym typeface="Wingdings" panose="05000000000000000000" pitchFamily="2" charset="2"/>
               </a:rPr>
-              <a:t>Aufbau der Hardware</a:t>
-            </a:r>
-          </a:p>
-          <a:p>
-            <a:pPr marL="342900" indent="-342900">
+              <a:t>LMIC-Bibliothek für </a:t>
+            </a:r>
+            <a:r>
+              <a:rPr lang="de-DE" sz="1900" dirty="0" err="1">
+                <a:sym typeface="Wingdings" panose="05000000000000000000" pitchFamily="2" charset="2"/>
+              </a:rPr>
+              <a:t>LoRaWAN</a:t>
+            </a:r>
+            <a:r>
+              <a:rPr lang="de-DE" sz="1900" dirty="0">
+                <a:sym typeface="Wingdings" panose="05000000000000000000" pitchFamily="2" charset="2"/>
+              </a:rPr>
+              <a:t>-Kommunikation</a:t>
+            </a:r>
+          </a:p>
+          <a:p>
+            <a:pPr marL="1257300" lvl="2" indent="-342900">
               <a:lnSpc>
                 <a:spcPct val="110000"/>
               </a:lnSpc>
-              <a:buFontTx/>
+              <a:buFont typeface="Symbol" panose="05050102010706020507" pitchFamily="18" charset="2"/>
+              <a:buChar char="-"/>
+            </a:pPr>
+            <a:r>
+              <a:rPr lang="de-DE" sz="1900" dirty="0">
+                <a:sym typeface="Wingdings" panose="05000000000000000000" pitchFamily="2" charset="2"/>
+              </a:rPr>
+              <a:t>Betriebssystem regelt Jobs</a:t>
+            </a:r>
+          </a:p>
+          <a:p>
+            <a:pPr marL="1257300" lvl="2" indent="-342900">
+              <a:lnSpc>
+                <a:spcPct val="110000"/>
+              </a:lnSpc>
+              <a:buFont typeface="Symbol" panose="05050102010706020507" pitchFamily="18" charset="2"/>
+              <a:buChar char="-"/>
+            </a:pPr>
+            <a:r>
+              <a:rPr lang="de-DE" sz="1900" dirty="0">
+                <a:sym typeface="Wingdings" panose="05000000000000000000" pitchFamily="2" charset="2"/>
+              </a:rPr>
+              <a:t>Senden von </a:t>
+            </a:r>
+            <a:r>
+              <a:rPr lang="de-DE" sz="1900" dirty="0" err="1">
+                <a:sym typeface="Wingdings" panose="05000000000000000000" pitchFamily="2" charset="2"/>
+              </a:rPr>
+              <a:t>DataFrames</a:t>
+            </a:r>
+            <a:r>
+              <a:rPr lang="de-DE" sz="1900" dirty="0">
+                <a:sym typeface="Wingdings" panose="05000000000000000000" pitchFamily="2" charset="2"/>
+              </a:rPr>
+              <a:t> an TTN funktioniert</a:t>
+            </a:r>
+          </a:p>
+          <a:p>
+            <a:pPr marL="800100" lvl="1" indent="-342900">
+              <a:lnSpc>
+                <a:spcPct val="110000"/>
+              </a:lnSpc>
+              <a:buFont typeface="Symbol" panose="05050102010706020507" pitchFamily="18" charset="2"/>
               <a:buChar char="-"/>
             </a:pPr>
             <a:endParaRPr lang="de-DE" sz="1900" dirty="0">
@@ -11546,26 +11709,26 @@
             </a:endParaRPr>
           </a:p>
           <a:p>
-            <a:pPr marL="342900" indent="-342900">
+            <a:pPr marL="800100" lvl="1" indent="-342900">
               <a:lnSpc>
                 <a:spcPct val="110000"/>
               </a:lnSpc>
-              <a:buFontTx/>
+              <a:buFont typeface="Symbol" panose="05050102010706020507" pitchFamily="18" charset="2"/>
               <a:buChar char="-"/>
             </a:pPr>
             <a:r>
               <a:rPr lang="de-DE" sz="1900" dirty="0">
                 <a:sym typeface="Wingdings" panose="05000000000000000000" pitchFamily="2" charset="2"/>
               </a:rPr>
-              <a:t>Softwarearchitektur auf dem Mikrocontroller</a:t>
-            </a:r>
-          </a:p>
-          <a:p>
-            <a:pPr marL="342900" indent="-342900">
+              <a:t>UART-Kommunikation mit Feinstaubsensor getestet</a:t>
+            </a:r>
+          </a:p>
+          <a:p>
+            <a:pPr marL="800100" lvl="1" indent="-342900">
               <a:lnSpc>
                 <a:spcPct val="110000"/>
               </a:lnSpc>
-              <a:buFontTx/>
+              <a:buFont typeface="Symbol" panose="05050102010706020507" pitchFamily="18" charset="2"/>
               <a:buChar char="-"/>
             </a:pPr>
             <a:endParaRPr lang="de-DE" sz="1900" dirty="0">
@@ -11573,27 +11736,61 @@
             </a:endParaRPr>
           </a:p>
           <a:p>
-            <a:pPr marL="342900" indent="-342900">
-              <a:lnSpc>
-                <a:spcPct val="110000"/>
-              </a:lnSpc>
-              <a:buFontTx/>
-              <a:buChar char="-"/>
-            </a:pPr>
-            <a:r>
-              <a:rPr lang="de-DE" sz="1900" dirty="0">
-                <a:sym typeface="Wingdings" panose="05000000000000000000" pitchFamily="2" charset="2"/>
-              </a:rPr>
-              <a:t>TTN – Anbindung und Darstellung der Daten</a:t>
-            </a:r>
-          </a:p>
-          <a:p>
             <a:pPr marL="800100" lvl="1" indent="-342900">
               <a:lnSpc>
                 <a:spcPct val="110000"/>
               </a:lnSpc>
-              <a:buFontTx/>
+              <a:buFont typeface="Symbol" panose="05050102010706020507" pitchFamily="18" charset="2"/>
               <a:buChar char="-"/>
+            </a:pPr>
+            <a:r>
+              <a:rPr lang="de-DE" sz="1900" dirty="0">
+                <a:sym typeface="Wingdings" panose="05000000000000000000" pitchFamily="2" charset="2"/>
+              </a:rPr>
+              <a:t>GPS-Kommunikation ist noch in Entwicklung</a:t>
+            </a:r>
+          </a:p>
+          <a:p>
+            <a:pPr marL="800100" lvl="1" indent="-342900">
+              <a:lnSpc>
+                <a:spcPct val="110000"/>
+              </a:lnSpc>
+              <a:buFont typeface="Symbol" panose="05050102010706020507" pitchFamily="18" charset="2"/>
+              <a:buChar char="-"/>
+            </a:pPr>
+            <a:endParaRPr lang="de-DE" sz="1900" dirty="0">
+              <a:sym typeface="Wingdings" panose="05000000000000000000" pitchFamily="2" charset="2"/>
+            </a:endParaRPr>
+          </a:p>
+          <a:p>
+            <a:pPr marL="800100" lvl="1" indent="-342900">
+              <a:lnSpc>
+                <a:spcPct val="110000"/>
+              </a:lnSpc>
+              <a:buFont typeface="Symbol" panose="05050102010706020507" pitchFamily="18" charset="2"/>
+              <a:buChar char="-"/>
+            </a:pPr>
+            <a:endParaRPr lang="de-DE" sz="1900" dirty="0">
+              <a:sym typeface="Wingdings" panose="05000000000000000000" pitchFamily="2" charset="2"/>
+            </a:endParaRPr>
+          </a:p>
+          <a:p>
+            <a:pPr marL="800100" lvl="1" indent="-342900">
+              <a:lnSpc>
+                <a:spcPct val="110000"/>
+              </a:lnSpc>
+              <a:buFont typeface="Symbol" panose="05050102010706020507" pitchFamily="18" charset="2"/>
+              <a:buChar char="-"/>
+            </a:pPr>
+            <a:endParaRPr lang="de-DE" sz="1900" dirty="0">
+              <a:sym typeface="Wingdings" panose="05000000000000000000" pitchFamily="2" charset="2"/>
+            </a:endParaRPr>
+          </a:p>
+          <a:p>
+            <a:pPr lvl="1">
+              <a:lnSpc>
+                <a:spcPct val="110000"/>
+              </a:lnSpc>
             </a:pPr>
             <a:endParaRPr lang="de-DE" sz="1900" dirty="0">
               <a:sym typeface="Wingdings" panose="05000000000000000000" pitchFamily="2" charset="2"/>
@@ -11697,6 +11894,176 @@
             <p:ph type="body" sz="quarter" idx="13"/>
           </p:nvPr>
         </p:nvSpPr>
+        <p:spPr/>
+        <p:txBody>
+          <a:bodyPr/>
+          <a:lstStyle/>
+          <a:p>
+            <a:r>
+              <a:rPr lang="de-DE" dirty="0"/>
+              <a:t>Softwarearchitektur</a:t>
+            </a:r>
+          </a:p>
+        </p:txBody>
+      </p:sp>
+      <p:sp>
+        <p:nvSpPr>
+          <p:cNvPr id="2" name="Rechteck 1">
+            <a:extLst>
+              <a:ext uri="{FF2B5EF4-FFF2-40B4-BE49-F238E27FC236}">
+                <a16:creationId xmlns:a16="http://schemas.microsoft.com/office/drawing/2014/main" id="{2EE8C140-89EE-4AC9-AC28-93F94669923C}"/>
+              </a:ext>
+            </a:extLst>
+          </p:cNvPr>
+          <p:cNvSpPr/>
+          <p:nvPr/>
+        </p:nvSpPr>
+        <p:spPr>
+          <a:xfrm>
+            <a:off x="1557197" y="2188558"/>
+            <a:ext cx="2041984" cy="1656184"/>
+          </a:xfrm>
+          <a:prstGeom prst="rect">
+            <a:avLst/>
+          </a:prstGeom>
+          <a:solidFill>
+            <a:schemeClr val="bg1"/>
+          </a:solidFill>
+          <a:ln>
+            <a:solidFill>
+              <a:schemeClr val="tx1"/>
+            </a:solidFill>
+          </a:ln>
+        </p:spPr>
+        <p:style>
+          <a:lnRef idx="2">
+            <a:schemeClr val="accent1">
+              <a:shade val="50000"/>
+            </a:schemeClr>
+          </a:lnRef>
+          <a:fillRef idx="1">
+            <a:schemeClr val="accent1"/>
+          </a:fillRef>
+          <a:effectRef idx="0">
+            <a:schemeClr val="accent1"/>
+          </a:effectRef>
+          <a:fontRef idx="minor">
+            <a:schemeClr val="lt1"/>
+          </a:fontRef>
+        </p:style>
+        <p:txBody>
+          <a:bodyPr rtlCol="0" anchor="ctr"/>
+          <a:lstStyle/>
+          <a:p>
+            <a:pPr algn="ctr">
+              <a:lnSpc>
+                <a:spcPct val="110000"/>
+              </a:lnSpc>
+            </a:pPr>
+            <a:endParaRPr lang="de-DE" sz="1900">
+              <a:solidFill>
+                <a:schemeClr val="tx1"/>
+              </a:solidFill>
+            </a:endParaRPr>
+          </a:p>
+        </p:txBody>
+      </p:sp>
+    </p:spTree>
+    <p:extLst>
+      <p:ext uri="{BB962C8B-B14F-4D97-AF65-F5344CB8AC3E}">
+        <p14:creationId xmlns:p14="http://schemas.microsoft.com/office/powerpoint/2010/main" val="2405470028"/>
+      </p:ext>
+    </p:extLst>
+  </p:cSld>
+  <p:clrMapOvr>
+    <a:masterClrMapping/>
+  </p:clrMapOvr>
+</p:sld>
+</file>
+
+<file path=ppt/slides/slide7.xml><?xml version="1.0" encoding="utf-8"?>
+<p:sld xmlns:a="http://schemas.openxmlformats.org/drawingml/2006/main" xmlns:r="http://schemas.openxmlformats.org/officeDocument/2006/relationships" xmlns:p="http://schemas.openxmlformats.org/presentationml/2006/main">
+  <p:cSld>
+    <p:spTree>
+      <p:nvGrpSpPr>
+        <p:cNvPr id="1" name=""/>
+        <p:cNvGrpSpPr/>
+        <p:nvPr/>
+      </p:nvGrpSpPr>
+      <p:grpSpPr>
+        <a:xfrm>
+          <a:off x="0" y="0"/>
+          <a:ext cx="0" cy="0"/>
+          <a:chOff x="0" y="0"/>
+          <a:chExt cx="0" cy="0"/>
+        </a:xfrm>
+      </p:grpSpPr>
+      <p:sp>
+        <p:nvSpPr>
+          <p:cNvPr id="3" name="Fußzeilenplatzhalter 2"/>
+          <p:cNvSpPr>
+            <a:spLocks noGrp="1"/>
+          </p:cNvSpPr>
+          <p:nvPr>
+            <p:ph type="ftr" sz="quarter" idx="11"/>
+          </p:nvPr>
+        </p:nvSpPr>
+        <p:spPr/>
+        <p:txBody>
+          <a:bodyPr/>
+          <a:lstStyle/>
+          <a:p>
+            <a:endParaRPr lang="de-DE" dirty="0"/>
+          </a:p>
+        </p:txBody>
+      </p:sp>
+      <p:sp>
+        <p:nvSpPr>
+          <p:cNvPr id="9" name="Titel 1"/>
+          <p:cNvSpPr>
+            <a:spLocks noGrp="1"/>
+          </p:cNvSpPr>
+          <p:nvPr>
+            <p:ph type="title"/>
+          </p:nvPr>
+        </p:nvSpPr>
+        <p:spPr>
+          <a:xfrm>
+            <a:off x="358775" y="374650"/>
+            <a:ext cx="6733505" cy="1002121"/>
+          </a:xfrm>
+        </p:spPr>
+        <p:txBody>
+          <a:bodyPr/>
+          <a:lstStyle/>
+          <a:p>
+            <a:r>
+              <a:rPr lang="de-DE" sz="2800" dirty="0"/>
+              <a:t>Energieautarke Feinstaubmessung</a:t>
+            </a:r>
+            <a:br>
+              <a:rPr lang="de-DE" sz="2800" dirty="0"/>
+            </a:br>
+            <a:endParaRPr lang="de-DE" sz="2800" dirty="0"/>
+          </a:p>
+        </p:txBody>
+      </p:sp>
+      <p:sp>
+        <p:nvSpPr>
+          <p:cNvPr id="6" name="Textplatzhalter 5">
+            <a:extLst>
+              <a:ext uri="{FF2B5EF4-FFF2-40B4-BE49-F238E27FC236}">
+                <a16:creationId xmlns:a16="http://schemas.microsoft.com/office/drawing/2014/main" id="{F6D2B8BA-0165-4A91-960E-9C3608EDE5CB}"/>
+              </a:ext>
+            </a:extLst>
+          </p:cNvPr>
+          <p:cNvSpPr>
+            <a:spLocks noGrp="1"/>
+          </p:cNvSpPr>
+          <p:nvPr>
+            <p:ph type="body" sz="quarter" idx="13"/>
+          </p:nvPr>
+        </p:nvSpPr>
         <p:spPr>
           <a:xfrm>
             <a:off x="358775" y="872231"/>
@@ -11842,7 +12209,7 @@
 </p:sld>
 </file>
 
-<file path=ppt/slides/slide7.xml><?xml version="1.0" encoding="utf-8"?>
+<file path=ppt/slides/slide8.xml><?xml version="1.0" encoding="utf-8"?>
 <p:sld xmlns:a="http://schemas.openxmlformats.org/drawingml/2006/main" xmlns:r="http://schemas.openxmlformats.org/officeDocument/2006/relationships" xmlns:p="http://schemas.openxmlformats.org/presentationml/2006/main">
   <p:cSld>
     <p:spTree>
